--- a/docs/SLE.Language.EmbeddedMontiArcDL.pptx
+++ b/docs/SLE.Language.EmbeddedMontiArcDL.pptx
@@ -129,7 +129,7 @@
   </p:defaultTextStyle>
   <p:extLst>
     <p:ext uri="{EFAFB233-063F-42B5-8137-9DF3F51BA10A}">
-      <p15:sldGuideLst xmlns="" xmlns:p15="http://schemas.microsoft.com/office/powerpoint/2012/main">
+      <p15:sldGuideLst xmlns:p15="http://schemas.microsoft.com/office/powerpoint/2012/main" xmlns="">
         <p15:guide id="1" orient="horz" pos="2160">
           <p15:clr>
             <a:srgbClr val="A4A3A4"/>
@@ -143,7 +143,7 @@
       </p15:sldGuideLst>
     </p:ext>
     <p:ext uri="{2D200454-40CA-4A62-9FC3-DE9A4176ACB9}">
-      <p15:notesGuideLst xmlns="" xmlns:p15="http://schemas.microsoft.com/office/powerpoint/2012/main"/>
+      <p15:notesGuideLst xmlns:p15="http://schemas.microsoft.com/office/powerpoint/2012/main" xmlns=""/>
     </p:ext>
   </p:extLst>
 </p:presentation>
@@ -231,7 +231,7 @@
           <a:p>
             <a:fld id="{B397C3DE-5202-43C6-9884-759C309EA47C}" type="datetimeFigureOut">
               <a:rPr lang="de-DE" smtClean="0"/>
-              <a:t>11.04.2018</a:t>
+              <a:t>10.05.2018</a:t>
             </a:fld>
             <a:endParaRPr lang="de-DE"/>
           </a:p>
@@ -397,7 +397,7 @@
             <a:fld id="{579F16DD-693B-4C24-88AC-508F1490D8AD}" type="datetimeFigureOut">
               <a:rPr lang="de-DE" smtClean="0"/>
               <a:pPr/>
-              <a:t>11.04.2018</a:t>
+              <a:t>10.05.2018</a:t>
             </a:fld>
             <a:endParaRPr lang="en-US"/>
           </a:p>
@@ -3197,47 +3197,20 @@
             <a:pPr lvl="1"/>
             <a:r>
               <a:rPr lang="en-US" dirty="0" smtClean="0"/>
-              <a:t>In development</a:t>
-            </a:r>
+              <a:t>Complete</a:t>
+            </a:r>
+            <a:endParaRPr lang="en-US" dirty="0" smtClean="0"/>
           </a:p>
           <a:p>
             <a:pPr lvl="1"/>
             <a:r>
               <a:rPr lang="en-US" dirty="0" smtClean="0"/>
-              <a:t>Issues: </a:t>
-            </a:r>
-            <a:r>
-              <a:rPr lang="en-US" dirty="0" err="1" smtClean="0"/>
-              <a:t>CNNTrain</a:t>
-            </a:r>
-            <a:r>
-              <a:rPr lang="en-US" dirty="0" smtClean="0"/>
-              <a:t> not yet integrated, parameters do not work with </a:t>
-            </a:r>
-            <a:r>
-              <a:rPr lang="en-US" dirty="0" err="1" smtClean="0"/>
-              <a:t>CNNArch</a:t>
-            </a:r>
-            <a:r>
-              <a:rPr lang="en-US" dirty="0" smtClean="0"/>
-              <a:t>, three-dimensional matrices are not implemented in </a:t>
-            </a:r>
-            <a:r>
-              <a:rPr lang="en-US" dirty="0" err="1" smtClean="0"/>
-              <a:t>MontiMath</a:t>
-            </a:r>
-            <a:r>
-              <a:rPr lang="en-US" dirty="0" smtClean="0"/>
-              <a:t>/EMAM2CPP but currently required by </a:t>
-            </a:r>
-            <a:r>
-              <a:rPr lang="en-US" dirty="0" err="1" smtClean="0"/>
-              <a:t>CNNArch</a:t>
-            </a:r>
-            <a:endParaRPr lang="en-US" dirty="0" smtClean="0"/>
-          </a:p>
-          <a:p>
-            <a:pPr lvl="1"/>
+              <a:t>Issues</a:t>
+            </a:r>
+            <a:r>
+              <a:rPr lang="en-US" dirty="0" smtClean="0"/>
+              <a:t>: Only configuration parameters work. Generics are not implemented.</a:t>
+            </a:r>
             <a:endParaRPr lang="en-US" dirty="0"/>
           </a:p>
           <a:p>
@@ -4261,11 +4234,7 @@
             <a:pPr lvl="2"/>
             <a:r>
               <a:rPr lang="en-US" dirty="0" smtClean="0"/>
-              <a:t>Generates Python code for a separate trainer of the neural network which has to be called before </a:t>
-            </a:r>
-            <a:r>
-              <a:rPr lang="en-US" dirty="0" smtClean="0"/>
-              <a:t>deployment</a:t>
+              <a:t>Generates Python code for a separate trainer of the neural network which has to be called before deployment</a:t>
             </a:r>
           </a:p>
           <a:p>
@@ -4275,7 +4244,7 @@
               <a:t>Generated code requires </a:t>
             </a:r>
             <a:r>
-              <a:rPr lang="en-US" smtClean="0"/>
+              <a:rPr lang="en-US" dirty="0" err="1" smtClean="0"/>
               <a:t>MxNet</a:t>
             </a:r>
             <a:endParaRPr lang="en-US" dirty="0" smtClean="0"/>
@@ -4287,8 +4256,13 @@
           <a:p>
             <a:r>
               <a:rPr lang="en-US" dirty="0"/>
-              <a:t>See thesis (not yet finished)</a:t>
-            </a:r>
+              <a:t>See </a:t>
+            </a:r>
+            <a:r>
+              <a:rPr lang="en-US" dirty="0" smtClean="0"/>
+              <a:t>thesis: Modeling Languages for Deep Learning based Cyber-Physical Systems</a:t>
+            </a:r>
+            <a:endParaRPr lang="en-US" dirty="0"/>
           </a:p>
           <a:p>
             <a:pPr lvl="2"/>
@@ -4381,23 +4355,13 @@
             </a:r>
             <a:r>
               <a:rPr lang="en-US" dirty="0" smtClean="0"/>
-              <a:t>of the language/tool?</a:t>
-            </a:r>
-          </a:p>
-          <a:p>
-            <a:pPr lvl="1"/>
-            <a:r>
-              <a:rPr lang="en-US" dirty="0" smtClean="0"/>
-              <a:t>Fix current issues</a:t>
-            </a:r>
-          </a:p>
-          <a:p>
-            <a:pPr lvl="1"/>
-            <a:r>
-              <a:rPr lang="en-US" dirty="0" smtClean="0"/>
-              <a:t>Evaluation of the generated code</a:t>
-            </a:r>
-            <a:endParaRPr lang="en-US" dirty="0"/>
+              <a:t>of the language/tool</a:t>
+            </a:r>
+            <a:r>
+              <a:rPr lang="en-US" dirty="0" smtClean="0"/>
+              <a:t>?</a:t>
+            </a:r>
+            <a:endParaRPr lang="en-US" dirty="0" smtClean="0"/>
           </a:p>
         </p:txBody>
       </p:sp>
@@ -5360,7 +5324,7 @@
   <a:extraClrSchemeLst/>
   <a:extLst>
     <a:ext uri="{05A4C25C-085E-4340-85A3-A5531E510DB2}">
-      <thm15:themeFamily xmlns="" xmlns:thm15="http://schemas.microsoft.com/office/thememl/2012/main" name="Office Theme" id="{62F939B6-93AF-4DB8-9C6B-D6C7DFDC589F}" vid="{4A3C46E8-61CC-4603-A589-7422A47A8E4A}"/>
+      <thm15:themeFamily xmlns:thm15="http://schemas.microsoft.com/office/thememl/2012/main" xmlns="" name="Office Theme" id="{62F939B6-93AF-4DB8-9C6B-D6C7DFDC589F}" vid="{4A3C46E8-61CC-4603-A589-7422A47A8E4A}"/>
     </a:ext>
   </a:extLst>
 </a:theme>

--- a/docs/SLE.Language.EmbeddedMontiArcDL.pptx
+++ b/docs/SLE.Language.EmbeddedMontiArcDL.pptx
@@ -129,7 +129,7 @@
   </p:defaultTextStyle>
   <p:extLst>
     <p:ext uri="{EFAFB233-063F-42B5-8137-9DF3F51BA10A}">
-      <p15:sldGuideLst xmlns:p15="http://schemas.microsoft.com/office/powerpoint/2012/main" xmlns="">
+      <p15:sldGuideLst xmlns="" xmlns:p15="http://schemas.microsoft.com/office/powerpoint/2012/main">
         <p15:guide id="1" orient="horz" pos="2160">
           <p15:clr>
             <a:srgbClr val="A4A3A4"/>
@@ -143,7 +143,7 @@
       </p15:sldGuideLst>
     </p:ext>
     <p:ext uri="{2D200454-40CA-4A62-9FC3-DE9A4176ACB9}">
-      <p15:notesGuideLst xmlns:p15="http://schemas.microsoft.com/office/powerpoint/2012/main" xmlns=""/>
+      <p15:notesGuideLst xmlns="" xmlns:p15="http://schemas.microsoft.com/office/powerpoint/2012/main"/>
     </p:ext>
   </p:extLst>
 </p:presentation>
@@ -231,7 +231,7 @@
           <a:p>
             <a:fld id="{B397C3DE-5202-43C6-9884-759C309EA47C}" type="datetimeFigureOut">
               <a:rPr lang="de-DE" smtClean="0"/>
-              <a:t>10.05.2018</a:t>
+              <a:t>30.05.2018</a:t>
             </a:fld>
             <a:endParaRPr lang="de-DE"/>
           </a:p>
@@ -397,7 +397,7 @@
             <a:fld id="{579F16DD-693B-4C24-88AC-508F1490D8AD}" type="datetimeFigureOut">
               <a:rPr lang="de-DE" smtClean="0"/>
               <a:pPr/>
-              <a:t>10.05.2018</a:t>
+              <a:t>30.05.2018</a:t>
             </a:fld>
             <a:endParaRPr lang="en-US"/>
           </a:p>
@@ -3197,24 +3197,8 @@
             <a:pPr lvl="1"/>
             <a:r>
               <a:rPr lang="en-US" dirty="0" smtClean="0"/>
-              <a:t>Complete</a:t>
-            </a:r>
-            <a:endParaRPr lang="en-US" dirty="0" smtClean="0"/>
-          </a:p>
-          <a:p>
-            <a:pPr lvl="1"/>
-            <a:r>
-              <a:rPr lang="en-US" dirty="0" smtClean="0"/>
-              <a:t>Issues</a:t>
-            </a:r>
-            <a:r>
-              <a:rPr lang="en-US" dirty="0" smtClean="0"/>
-              <a:t>: Only configuration parameters work. Generics are not implemented.</a:t>
-            </a:r>
-            <a:endParaRPr lang="en-US" dirty="0"/>
-          </a:p>
-          <a:p>
-            <a:pPr lvl="1"/>
+              <a:t>Stable</a:t>
+            </a:r>
             <a:endParaRPr lang="en-US" dirty="0"/>
           </a:p>
           <a:p>
@@ -4092,8 +4076,56 @@
               <a:t> and </a:t>
             </a:r>
             <a:r>
-              <a:rPr lang="en-US" dirty="0" err="1"/>
+              <a:rPr lang="en-US" dirty="0" err="1" smtClean="0"/>
               <a:t>MontiMath</a:t>
+            </a:r>
+            <a:endParaRPr lang="en-US" dirty="0" smtClean="0"/>
+          </a:p>
+          <a:p>
+            <a:pPr lvl="1"/>
+            <a:r>
+              <a:rPr lang="en-US" dirty="0" err="1" smtClean="0"/>
+              <a:t>ArchitectureSymbol</a:t>
+            </a:r>
+            <a:r>
+              <a:rPr lang="en-US" dirty="0" smtClean="0"/>
+              <a:t> of </a:t>
+            </a:r>
+            <a:r>
+              <a:rPr lang="en-US" dirty="0" err="1" smtClean="0"/>
+              <a:t>CNNArch</a:t>
+            </a:r>
+            <a:r>
+              <a:rPr lang="en-US" dirty="0" smtClean="0"/>
+              <a:t> is added into the scope of the </a:t>
+            </a:r>
+            <a:r>
+              <a:rPr lang="en-US" dirty="0" err="1" smtClean="0"/>
+              <a:t>ExpandedComponentInstanceSymbol</a:t>
+            </a:r>
+            <a:r>
+              <a:rPr lang="en-US" dirty="0" smtClean="0"/>
+              <a:t> and the </a:t>
+            </a:r>
+            <a:r>
+              <a:rPr lang="en-US" dirty="0" err="1" smtClean="0"/>
+              <a:t>ComponentSymbol</a:t>
+            </a:r>
+            <a:endParaRPr lang="en-US" dirty="0"/>
+          </a:p>
+          <a:p>
+            <a:pPr lvl="1"/>
+            <a:r>
+              <a:rPr lang="en-US" dirty="0" err="1" smtClean="0"/>
+              <a:t>MathStatementsSymbol</a:t>
+            </a:r>
+            <a:r>
+              <a:rPr lang="en-US" dirty="0" smtClean="0"/>
+              <a:t> is only added into the scope of the </a:t>
+            </a:r>
+            <a:r>
+              <a:rPr lang="en-US" dirty="0" err="1" smtClean="0"/>
+              <a:t>ComponentSymbol</a:t>
             </a:r>
             <a:endParaRPr lang="en-US" dirty="0"/>
           </a:p>
@@ -4355,13 +4387,8 @@
             </a:r>
             <a:r>
               <a:rPr lang="en-US" dirty="0" smtClean="0"/>
-              <a:t>of the language/tool</a:t>
-            </a:r>
-            <a:r>
-              <a:rPr lang="en-US" dirty="0" smtClean="0"/>
-              <a:t>?</a:t>
-            </a:r>
-            <a:endParaRPr lang="en-US" dirty="0" smtClean="0"/>
+              <a:t>of the language/tool?</a:t>
+            </a:r>
           </a:p>
         </p:txBody>
       </p:sp>
@@ -5324,7 +5351,7 @@
   <a:extraClrSchemeLst/>
   <a:extLst>
     <a:ext uri="{05A4C25C-085E-4340-85A3-A5531E510DB2}">
-      <thm15:themeFamily xmlns:thm15="http://schemas.microsoft.com/office/thememl/2012/main" xmlns="" name="Office Theme" id="{62F939B6-93AF-4DB8-9C6B-D6C7DFDC589F}" vid="{4A3C46E8-61CC-4603-A589-7422A47A8E4A}"/>
+      <thm15:themeFamily xmlns="" xmlns:thm15="http://schemas.microsoft.com/office/thememl/2012/main" name="Office Theme" id="{62F939B6-93AF-4DB8-9C6B-D6C7DFDC589F}" vid="{4A3C46E8-61CC-4603-A589-7422A47A8E4A}"/>
     </a:ext>
   </a:extLst>
 </a:theme>
